--- a/Zsend/PESTA-POSTER-1020881.pptx
+++ b/Zsend/PESTA-POSTER-1020881.pptx
@@ -290,7 +290,7 @@
           <a:p>
             <a:fld id="{47E2C58E-65E8-144A-9659-18C45F25646D}" type="datetimeFigureOut">
               <a:rPr lang="pt-PT" smtClean="0"/>
-              <a:t>21/05/2021</a:t>
+              <a:t>05/06/2021</a:t>
             </a:fld>
             <a:endParaRPr lang="pt-PT"/>
           </a:p>
@@ -1376,7 +1376,11 @@
           <a:p>
             <a:r>
               <a:rPr lang="pt-BR" dirty="0"/>
-              <a:t>houve um avanço technologico que nos deu as conhecidas balanças por molas, recorendo ao principio de </a:t>
+              <a:t>houve um avanço technologico que nos deu as conhecidas balanças por molas, </a:t>
+            </a:r>
+            <a:r>
+              <a:rPr lang="pt-BR"/>
+              <a:t>recorendo lei </a:t>
             </a:r>
             <a:r>
               <a:rPr lang="pt-BR" b="1" dirty="0"/>

--- a/Zsend/PESTA-POSTER-1020881.pptx
+++ b/Zsend/PESTA-POSTER-1020881.pptx
@@ -2626,7 +2626,7 @@
         <p:spPr>
           <a:xfrm>
             <a:off x="165100" y="9613900"/>
-            <a:ext cx="5003800" cy="2284560"/>
+            <a:ext cx="5003800" cy="2583869"/>
           </a:xfrm>
           <a:prstGeom prst="rect">
             <a:avLst/>
@@ -2687,7 +2687,7 @@
                 <a:latin typeface="Calibri"/>
                 <a:ea typeface="DejaVu Sans"/>
               </a:rPr>
-              <a:t>O sensor é um transdutor utilizado para converter energia de uma natureza para outra servindo como entrada de um sistema, são os elementos principais de interface com o mundo real para o analógico.</a:t>
+              <a:t>O sensor é um transdutor utilizado para converter energia de uma natureza para outra e servir como entrada de um sistema de controlo, são os elementos principais de interface com o mundo real para o analógico.</a:t>
             </a:r>
             <a:endParaRPr lang="pt-PT" sz="1800" b="0" strike="noStrike" spc="-1" dirty="0">
               <a:latin typeface="Arial"/>
@@ -2717,7 +2717,7 @@
                 <a:latin typeface="Calibri"/>
                 <a:ea typeface="DejaVu Sans"/>
               </a:rPr>
-              <a:t>piezoresistivos</a:t>
+              <a:t>piezoresistivo</a:t>
             </a:r>
             <a:r>
               <a:rPr lang="pt-PT" sz="1800" b="0" strike="noStrike" spc="-1" dirty="0">

--- a/Zsend/PESTA-POSTER-1020881.pptx
+++ b/Zsend/PESTA-POSTER-1020881.pptx
@@ -2845,7 +2845,27 @@
                 <a:latin typeface="Calibri"/>
                 <a:ea typeface="DejaVu Sans"/>
               </a:rPr>
-              <a:t> e um micro controlador foi possível desenvolver este projeto, com um controlo intuitivo e fácil de se replicar.</a:t>
+              <a:t> e </a:t>
+            </a:r>
+            <a:r>
+              <a:rPr lang="pt-PT" sz="1800" b="0" strike="noStrike" spc="-1">
+                <a:solidFill>
+                  <a:srgbClr val="000000"/>
+                </a:solidFill>
+                <a:latin typeface="Calibri"/>
+                <a:ea typeface="DejaVu Sans"/>
+              </a:rPr>
+              <a:t>um microcontrolador </a:t>
+            </a:r>
+            <a:r>
+              <a:rPr lang="pt-PT" sz="1800" b="0" strike="noStrike" spc="-1" dirty="0">
+                <a:solidFill>
+                  <a:srgbClr val="000000"/>
+                </a:solidFill>
+                <a:latin typeface="Calibri"/>
+                <a:ea typeface="DejaVu Sans"/>
+              </a:rPr>
+              <a:t>foi possível desenvolver este projeto, com um controlo intuitivo e fácil de se replicar.</a:t>
             </a:r>
             <a:endParaRPr lang="pt-PT" sz="1800" b="0" strike="noStrike" spc="-1" dirty="0">
               <a:latin typeface="Arial"/>

--- a/Zsend/PESTA-POSTER-1020881.pptx
+++ b/Zsend/PESTA-POSTER-1020881.pptx
@@ -2518,7 +2518,17 @@
                 <a:latin typeface="Calibri"/>
                 <a:ea typeface="DejaVu Sans"/>
               </a:rPr>
-              <a:t>. E</a:t>
+              <a:t>. </a:t>
+            </a:r>
+            <a:r>
+              <a:rPr lang="pt-PT" i="1" spc="-1" dirty="0">
+                <a:solidFill>
+                  <a:srgbClr val="000000"/>
+                </a:solidFill>
+                <a:latin typeface="Calibri"/>
+                <a:ea typeface="DejaVu Sans"/>
+              </a:rPr>
+              <a:t>M</a:t>
             </a:r>
             <a:r>
               <a:rPr lang="pt-PT" spc="-1" dirty="0">
@@ -2528,7 +2538,7 @@
                 <a:latin typeface="Calibri"/>
                 <a:ea typeface="DejaVu Sans"/>
               </a:rPr>
-              <a:t> motivo deste projeto de criar uma balança digital recorrendo aos materiais disponíveis no mercado comum.</a:t>
+              <a:t>otivo deste projeto de criar uma balança digital recorrendo aos materiais disponíveis no mercado comum.</a:t>
             </a:r>
             <a:endParaRPr lang="pt-PT" sz="1800" b="0" strike="noStrike" spc="-1" dirty="0">
               <a:latin typeface="Arial"/>

--- a/Zsend/PESTA-POSTER-1020881.pptx
+++ b/Zsend/PESTA-POSTER-1020881.pptx
@@ -2538,7 +2538,7 @@
                 <a:latin typeface="Calibri"/>
                 <a:ea typeface="DejaVu Sans"/>
               </a:rPr>
-              <a:t>otivo deste projeto de criar uma balança digital recorrendo aos materiais disponíveis no mercado comum.</a:t>
+              <a:t>otivo deste projeto de criar uma balança digital recorrendo aos materiais disponíveis no mercado.</a:t>
             </a:r>
             <a:endParaRPr lang="pt-PT" sz="1800" b="0" strike="noStrike" spc="-1" dirty="0">
               <a:latin typeface="Arial"/>

--- a/Zsend/PESTA-POSTER-1020881.pptx
+++ b/Zsend/PESTA-POSTER-1020881.pptx
@@ -3346,7 +3346,17 @@
                 <a:latin typeface="Calibri"/>
                 <a:ea typeface="DejaVu Sans"/>
               </a:rPr>
-              <a:t> em diversas .</a:t>
+              <a:t> em </a:t>
+            </a:r>
+            <a:r>
+              <a:rPr lang="pt-PT" sz="1800" b="0" strike="noStrike" spc="-1">
+                <a:solidFill>
+                  <a:srgbClr val="000000"/>
+                </a:solidFill>
+                <a:latin typeface="Calibri"/>
+                <a:ea typeface="DejaVu Sans"/>
+              </a:rPr>
+              <a:t>diversas áreas.</a:t>
             </a:r>
             <a:endParaRPr lang="pt-PT" sz="1800" b="0" strike="noStrike" spc="-1" dirty="0">
               <a:latin typeface="Arial"/>
